--- a/Slides/Azure and Terraform Workshop - Chapter 1.pptx
+++ b/Slides/Azure and Terraform Workshop - Chapter 1.pptx
@@ -396,7 +396,7 @@
           <a:p>
             <a:fld id="{15E32702-A582-D646-948A-1015FA014A09}" type="datetimeFigureOut">
               <a:rPr lang="en-US" smtClean="0"/>
-              <a:t>4/26/2018</a:t>
+              <a:t>9/9/2018</a:t>
             </a:fld>
             <a:endParaRPr lang="en-US"/>
           </a:p>
@@ -1733,7 +1733,7 @@
           <a:p>
             <a:r>
               <a:rPr lang="en-US" dirty="0"/>
-              <a:t>Have your participants introduce themselves.</a:t>
+              <a:t>Have your participants introduce themselves.  The favorite text editor is a good ice breaker and it also provides you with valuable information about your students experience level.  If anyone says "Notepad" or "Um…I don't know" it means they don't write code that often (if at all).  Try and seat these people next to someone who answers with vim, emacs, Visual Studio Code, etc.</a:t>
             </a:r>
           </a:p>
         </p:txBody>
@@ -2597,7 +2597,11 @@
           <a:p>
             <a:r>
               <a:rPr lang="en-US" dirty="0"/>
-              <a:t>Make sure and download the 64 bit version for Windows.  Terraform is shipped as a single binary, inside of a zip archive.</a:t>
+              <a:t>Make sure and download the 64 bit version for Windows</a:t>
+            </a:r>
+            <a:r>
+              <a:rPr lang="en-US"/>
+              <a:t>.  </a:t>
             </a:r>
             <a:endParaRPr dirty="0"/>
           </a:p>
@@ -5592,6 +5596,21 @@
               <a:rPr lang="en-US" dirty="0"/>
               <a:t>Here we are in the Azure portal…you simply select Virtual Machines, then search for the type of VM you want to create.  It’s easy!  But it doesn’t scale well.   Building VMs by hand is not recommended except for dev and experimentation.</a:t>
             </a:r>
+          </a:p>
+          <a:p>
+            <a:endParaRPr lang="en-US" dirty="0"/>
+          </a:p>
+          <a:p>
+            <a:r>
+              <a:rPr lang="en-US" dirty="0"/>
+              <a:t>Also note that there are several other parts to creating that single VM that are hidden away from the end user by the GUI.  You need a resource group, virtual network, subnet, security group, network interface, storage, and a public IP address before you can set up your VM.  The "simple" GUI can build these things for you, but it doesn't scale that well, and is certainly not designed for automation.</a:t>
+            </a:r>
+          </a:p>
+          <a:p>
+            <a:endParaRPr lang="en-US" dirty="0"/>
+          </a:p>
+          <a:p>
+            <a:endParaRPr lang="en-US" dirty="0"/>
           </a:p>
         </p:txBody>
       </p:sp>
@@ -5855,7 +5874,7 @@
           <a:p>
             <a:fld id="{EE2D613C-C0FF-5D4D-9461-34EBB5775A81}" type="datetimeFigureOut">
               <a:rPr lang="en-US" smtClean="0"/>
-              <a:t>4/26/2018</a:t>
+              <a:t>9/9/2018</a:t>
             </a:fld>
             <a:endParaRPr lang="en-US"/>
           </a:p>
@@ -6023,7 +6042,7 @@
           <a:p>
             <a:fld id="{EE2D613C-C0FF-5D4D-9461-34EBB5775A81}" type="datetimeFigureOut">
               <a:rPr lang="en-US" smtClean="0"/>
-              <a:t>4/26/2018</a:t>
+              <a:t>9/9/2018</a:t>
             </a:fld>
             <a:endParaRPr lang="en-US"/>
           </a:p>
@@ -6201,7 +6220,7 @@
           <a:p>
             <a:fld id="{EE2D613C-C0FF-5D4D-9461-34EBB5775A81}" type="datetimeFigureOut">
               <a:rPr lang="en-US" smtClean="0"/>
-              <a:t>4/26/2018</a:t>
+              <a:t>9/9/2018</a:t>
             </a:fld>
             <a:endParaRPr lang="en-US"/>
           </a:p>
@@ -6383,7 +6402,7 @@
             <a:effectLst/>
             <a:extLst>
               <a:ext uri="{C572A759-6A51-4108-AA02-DFA0A04FC94B}">
-                <ma14:wrappingTextBoxFlag xmlns:ma14="http://schemas.microsoft.com/office/mac/drawingml/2011/main" xmlns="" val="1"/>
+                <ma14:wrappingTextBoxFlag xmlns="" xmlns:ma14="http://schemas.microsoft.com/office/mac/drawingml/2011/main" val="1"/>
               </a:ext>
             </a:extLst>
           </p:spPr>
@@ -7950,7 +7969,7 @@
           <a:p>
             <a:fld id="{EE2D613C-C0FF-5D4D-9461-34EBB5775A81}" type="datetimeFigureOut">
               <a:rPr lang="en-US" smtClean="0"/>
-              <a:t>4/26/2018</a:t>
+              <a:t>9/9/2018</a:t>
             </a:fld>
             <a:endParaRPr lang="en-US"/>
           </a:p>
@@ -8299,7 +8318,7 @@
           </a:ln>
           <a:extLst>
             <a:ext uri="{C572A759-6A51-4108-AA02-DFA0A04FC94B}">
-              <ma14:wrappingTextBoxFlag xmlns:ma14="http://schemas.microsoft.com/office/mac/drawingml/2011/main" xmlns="" val="1"/>
+              <ma14:wrappingTextBoxFlag xmlns="" xmlns:ma14="http://schemas.microsoft.com/office/mac/drawingml/2011/main" val="1"/>
             </a:ext>
           </a:extLst>
         </p:spPr>
@@ -8516,7 +8535,7 @@
             <a:effectLst/>
             <a:extLst>
               <a:ext uri="{C572A759-6A51-4108-AA02-DFA0A04FC94B}">
-                <ma14:wrappingTextBoxFlag xmlns:ma14="http://schemas.microsoft.com/office/mac/drawingml/2011/main" xmlns="" val="1"/>
+                <ma14:wrappingTextBoxFlag xmlns="" xmlns:ma14="http://schemas.microsoft.com/office/mac/drawingml/2011/main" val="1"/>
               </a:ext>
             </a:extLst>
           </p:spPr>
@@ -10311,7 +10330,7 @@
           </a:ln>
           <a:extLst>
             <a:ext uri="{C572A759-6A51-4108-AA02-DFA0A04FC94B}">
-              <ma14:wrappingTextBoxFlag xmlns:ma14="http://schemas.microsoft.com/office/mac/drawingml/2011/main" xmlns="" val="1"/>
+              <ma14:wrappingTextBoxFlag xmlns="" xmlns:ma14="http://schemas.microsoft.com/office/mac/drawingml/2011/main" val="1"/>
             </a:ext>
           </a:extLst>
         </p:spPr>
@@ -10593,7 +10612,7 @@
           <a:p>
             <a:fld id="{EE2D613C-C0FF-5D4D-9461-34EBB5775A81}" type="datetimeFigureOut">
               <a:rPr lang="en-US" smtClean="0"/>
-              <a:t>4/26/2018</a:t>
+              <a:t>9/9/2018</a:t>
             </a:fld>
             <a:endParaRPr lang="en-US"/>
           </a:p>
@@ -10822,7 +10841,7 @@
           <a:p>
             <a:fld id="{EE2D613C-C0FF-5D4D-9461-34EBB5775A81}" type="datetimeFigureOut">
               <a:rPr lang="en-US" smtClean="0"/>
-              <a:t>4/26/2018</a:t>
+              <a:t>9/9/2018</a:t>
             </a:fld>
             <a:endParaRPr lang="en-US"/>
           </a:p>
@@ -11186,7 +11205,7 @@
           <a:p>
             <a:fld id="{EE2D613C-C0FF-5D4D-9461-34EBB5775A81}" type="datetimeFigureOut">
               <a:rPr lang="en-US" smtClean="0"/>
-              <a:t>4/26/2018</a:t>
+              <a:t>9/9/2018</a:t>
             </a:fld>
             <a:endParaRPr lang="en-US"/>
           </a:p>
@@ -11303,7 +11322,7 @@
           <a:p>
             <a:fld id="{EE2D613C-C0FF-5D4D-9461-34EBB5775A81}" type="datetimeFigureOut">
               <a:rPr lang="en-US" smtClean="0"/>
-              <a:t>4/26/2018</a:t>
+              <a:t>9/9/2018</a:t>
             </a:fld>
             <a:endParaRPr lang="en-US"/>
           </a:p>
@@ -11398,7 +11417,7 @@
           <a:p>
             <a:fld id="{EE2D613C-C0FF-5D4D-9461-34EBB5775A81}" type="datetimeFigureOut">
               <a:rPr lang="en-US" smtClean="0"/>
-              <a:t>4/26/2018</a:t>
+              <a:t>9/9/2018</a:t>
             </a:fld>
             <a:endParaRPr lang="en-US"/>
           </a:p>
@@ -11673,7 +11692,7 @@
           <a:p>
             <a:fld id="{EE2D613C-C0FF-5D4D-9461-34EBB5775A81}" type="datetimeFigureOut">
               <a:rPr lang="en-US" smtClean="0"/>
-              <a:t>4/26/2018</a:t>
+              <a:t>9/9/2018</a:t>
             </a:fld>
             <a:endParaRPr lang="en-US"/>
           </a:p>
@@ -11925,7 +11944,7 @@
           <a:p>
             <a:fld id="{EE2D613C-C0FF-5D4D-9461-34EBB5775A81}" type="datetimeFigureOut">
               <a:rPr lang="en-US" smtClean="0"/>
-              <a:t>4/26/2018</a:t>
+              <a:t>9/9/2018</a:t>
             </a:fld>
             <a:endParaRPr lang="en-US"/>
           </a:p>
@@ -12136,7 +12155,7 @@
           <a:p>
             <a:fld id="{EE2D613C-C0FF-5D4D-9461-34EBB5775A81}" type="datetimeFigureOut">
               <a:rPr lang="en-US" smtClean="0"/>
-              <a:t>4/26/2018</a:t>
+              <a:t>9/9/2018</a:t>
             </a:fld>
             <a:endParaRPr lang="en-US"/>
           </a:p>
@@ -12601,7 +12620,7 @@
           </a:ln>
           <a:extLst>
             <a:ext uri="{C572A759-6A51-4108-AA02-DFA0A04FC94B}">
-              <ma14:wrappingTextBoxFlag xmlns:ma14="http://schemas.microsoft.com/office/mac/drawingml/2011/main" xmlns="" val="1"/>
+              <ma14:wrappingTextBoxFlag xmlns="" xmlns:ma14="http://schemas.microsoft.com/office/mac/drawingml/2011/main" val="1"/>
             </a:ext>
           </a:extLst>
         </p:spPr>
@@ -12640,7 +12659,7 @@
           </a:ln>
           <a:extLst>
             <a:ext uri="{C572A759-6A51-4108-AA02-DFA0A04FC94B}">
-              <ma14:wrappingTextBoxFlag xmlns:ma14="http://schemas.microsoft.com/office/mac/drawingml/2011/main" xmlns="" val="1"/>
+              <ma14:wrappingTextBoxFlag xmlns="" xmlns:ma14="http://schemas.microsoft.com/office/mac/drawingml/2011/main" val="1"/>
             </a:ext>
           </a:extLst>
         </p:spPr>
@@ -13621,7 +13640,7 @@
           </a:ln>
           <a:extLst>
             <a:ext uri="{C572A759-6A51-4108-AA02-DFA0A04FC94B}">
-              <ma14:wrappingTextBoxFlag xmlns:ma14="http://schemas.microsoft.com/office/mac/drawingml/2011/main" xmlns="" val="1"/>
+              <ma14:wrappingTextBoxFlag xmlns="" xmlns:ma14="http://schemas.microsoft.com/office/mac/drawingml/2011/main" val="1"/>
             </a:ext>
           </a:extLst>
         </p:spPr>
@@ -13660,7 +13679,7 @@
           </a:ln>
           <a:extLst>
             <a:ext uri="{C572A759-6A51-4108-AA02-DFA0A04FC94B}">
-              <ma14:wrappingTextBoxFlag xmlns:ma14="http://schemas.microsoft.com/office/mac/drawingml/2011/main" xmlns="" val="1"/>
+              <ma14:wrappingTextBoxFlag xmlns="" xmlns:ma14="http://schemas.microsoft.com/office/mac/drawingml/2011/main" val="1"/>
             </a:ext>
           </a:extLst>
         </p:spPr>
@@ -15172,7 +15191,7 @@
           </a:prstGeom>
           <a:extLst>
             <a:ext uri="{C572A759-6A51-4108-AA02-DFA0A04FC94B}">
-              <ma14:wrappingTextBoxFlag xmlns:ma14="http://schemas.microsoft.com/office/mac/drawingml/2011/main" xmlns="" val="1"/>
+              <ma14:wrappingTextBoxFlag xmlns="" xmlns:ma14="http://schemas.microsoft.com/office/mac/drawingml/2011/main" val="1"/>
             </a:ext>
           </a:extLst>
         </p:spPr>
@@ -15468,7 +15487,7 @@
           </a:prstGeom>
           <a:extLst>
             <a:ext uri="{C572A759-6A51-4108-AA02-DFA0A04FC94B}">
-              <ma14:wrappingTextBoxFlag xmlns:ma14="http://schemas.microsoft.com/office/mac/drawingml/2011/main" xmlns="" val="1"/>
+              <ma14:wrappingTextBoxFlag xmlns="" xmlns:ma14="http://schemas.microsoft.com/office/mac/drawingml/2011/main" val="1"/>
             </a:ext>
           </a:extLst>
         </p:spPr>
@@ -16367,7 +16386,7 @@
           </a:prstGeom>
           <a:extLst>
             <a:ext uri="{C572A759-6A51-4108-AA02-DFA0A04FC94B}">
-              <ma14:wrappingTextBoxFlag xmlns:ma14="http://schemas.microsoft.com/office/mac/drawingml/2011/main" xmlns="" val="1"/>
+              <ma14:wrappingTextBoxFlag xmlns="" xmlns:ma14="http://schemas.microsoft.com/office/mac/drawingml/2011/main" val="1"/>
             </a:ext>
           </a:extLst>
         </p:spPr>
@@ -16663,7 +16682,7 @@
           </a:prstGeom>
           <a:extLst>
             <a:ext uri="{C572A759-6A51-4108-AA02-DFA0A04FC94B}">
-              <ma14:wrappingTextBoxFlag xmlns:ma14="http://schemas.microsoft.com/office/mac/drawingml/2011/main" xmlns="" val="1"/>
+              <ma14:wrappingTextBoxFlag xmlns="" xmlns:ma14="http://schemas.microsoft.com/office/mac/drawingml/2011/main" val="1"/>
             </a:ext>
           </a:extLst>
         </p:spPr>
@@ -18322,8 +18341,8 @@
         </p:nvSpPr>
         <p:spPr>
           <a:xfrm>
-            <a:off x="3421751" y="708009"/>
-            <a:ext cx="4159793" cy="2410916"/>
+            <a:off x="3421751" y="323288"/>
+            <a:ext cx="5222584" cy="3180358"/>
           </a:xfrm>
           <a:prstGeom prst="rect">
             <a:avLst/>
@@ -18362,9 +18381,10 @@
               </a:defRPr>
             </a:pPr>
             <a:r>
-              <a:rPr dirty="0"/>
+              <a:rPr lang="en-US" dirty="0"/>
               <a:t>Your Role</a:t>
             </a:r>
+            <a:endParaRPr dirty="0"/>
           </a:p>
           <a:p>
             <a:pPr algn="l">
@@ -18382,6 +18402,25 @@
               <a:rPr dirty="0"/>
               <a:t>Interesting Fact</a:t>
             </a:r>
+            <a:endParaRPr lang="en-US" dirty="0"/>
+          </a:p>
+          <a:p>
+            <a:pPr algn="l">
+              <a:defRPr sz="5000">
+                <a:solidFill>
+                  <a:srgbClr val="FFFFFF"/>
+                </a:solidFill>
+                <a:latin typeface="Klavika Basic"/>
+                <a:ea typeface="Klavika Basic"/>
+                <a:cs typeface="Klavika Basic"/>
+                <a:sym typeface="Klavika Basic"/>
+              </a:defRPr>
+            </a:pPr>
+            <a:r>
+              <a:rPr lang="en-US" dirty="0"/>
+              <a:t>Favorite Text Editor</a:t>
+            </a:r>
+            <a:endParaRPr dirty="0"/>
           </a:p>
         </p:txBody>
       </p:sp>
@@ -18785,7 +18824,7 @@
           </a:prstGeom>
           <a:extLst>
             <a:ext uri="{C572A759-6A51-4108-AA02-DFA0A04FC94B}">
-              <ma14:wrappingTextBoxFlag xmlns:ma14="http://schemas.microsoft.com/office/mac/drawingml/2011/main" xmlns="" val="1"/>
+              <ma14:wrappingTextBoxFlag xmlns="" xmlns:ma14="http://schemas.microsoft.com/office/mac/drawingml/2011/main" val="1"/>
             </a:ext>
           </a:extLst>
         </p:spPr>
@@ -18852,7 +18891,7 @@
           </a:prstGeom>
           <a:extLst>
             <a:ext uri="{C572A759-6A51-4108-AA02-DFA0A04FC94B}">
-              <ma14:wrappingTextBoxFlag xmlns:ma14="http://schemas.microsoft.com/office/mac/drawingml/2011/main" xmlns="" val="1"/>
+              <ma14:wrappingTextBoxFlag xmlns="" xmlns:ma14="http://schemas.microsoft.com/office/mac/drawingml/2011/main" val="1"/>
             </a:ext>
           </a:extLst>
         </p:spPr>
@@ -18931,7 +18970,7 @@
           </a:prstGeom>
           <a:extLst>
             <a:ext uri="{C572A759-6A51-4108-AA02-DFA0A04FC94B}">
-              <ma14:wrappingTextBoxFlag xmlns:ma14="http://schemas.microsoft.com/office/mac/drawingml/2011/main" xmlns="" val="1"/>
+              <ma14:wrappingTextBoxFlag xmlns="" xmlns:ma14="http://schemas.microsoft.com/office/mac/drawingml/2011/main" val="1"/>
             </a:ext>
           </a:extLst>
         </p:spPr>
@@ -19022,7 +19061,7 @@
           </a:prstGeom>
           <a:extLst>
             <a:ext uri="{C572A759-6A51-4108-AA02-DFA0A04FC94B}">
-              <ma14:wrappingTextBoxFlag xmlns:ma14="http://schemas.microsoft.com/office/mac/drawingml/2011/main" xmlns="" val="1"/>
+              <ma14:wrappingTextBoxFlag xmlns="" xmlns:ma14="http://schemas.microsoft.com/office/mac/drawingml/2011/main" val="1"/>
             </a:ext>
           </a:extLst>
         </p:spPr>
@@ -19535,7 +19574,7 @@
           </a:prstGeom>
           <a:extLst>
             <a:ext uri="{C572A759-6A51-4108-AA02-DFA0A04FC94B}">
-              <ma14:wrappingTextBoxFlag xmlns:ma14="http://schemas.microsoft.com/office/mac/drawingml/2011/main" xmlns="" val="1"/>
+              <ma14:wrappingTextBoxFlag xmlns="" xmlns:ma14="http://schemas.microsoft.com/office/mac/drawingml/2011/main" val="1"/>
             </a:ext>
           </a:extLst>
         </p:spPr>
@@ -19584,7 +19623,7 @@
           </a:prstGeom>
           <a:extLst>
             <a:ext uri="{C572A759-6A51-4108-AA02-DFA0A04FC94B}">
-              <ma14:wrappingTextBoxFlag xmlns:ma14="http://schemas.microsoft.com/office/mac/drawingml/2011/main" xmlns="" val="1"/>
+              <ma14:wrappingTextBoxFlag xmlns="" xmlns:ma14="http://schemas.microsoft.com/office/mac/drawingml/2011/main" val="1"/>
             </a:ext>
           </a:extLst>
         </p:spPr>
@@ -21371,7 +21410,7 @@
           </a:prstGeom>
           <a:extLst>
             <a:ext uri="{C572A759-6A51-4108-AA02-DFA0A04FC94B}">
-              <ma14:wrappingTextBoxFlag xmlns:ma14="http://schemas.microsoft.com/office/mac/drawingml/2011/main" xmlns="" val="1"/>
+              <ma14:wrappingTextBoxFlag xmlns="" xmlns:ma14="http://schemas.microsoft.com/office/mac/drawingml/2011/main" val="1"/>
             </a:ext>
           </a:extLst>
         </p:spPr>
@@ -21600,7 +21639,7 @@
           </a:prstGeom>
           <a:extLst>
             <a:ext uri="{C572A759-6A51-4108-AA02-DFA0A04FC94B}">
-              <ma14:wrappingTextBoxFlag xmlns:ma14="http://schemas.microsoft.com/office/mac/drawingml/2011/main" xmlns="" val="1"/>
+              <ma14:wrappingTextBoxFlag xmlns="" xmlns:ma14="http://schemas.microsoft.com/office/mac/drawingml/2011/main" val="1"/>
             </a:ext>
           </a:extLst>
         </p:spPr>
@@ -22018,7 +22057,7 @@
           </a:prstGeom>
           <a:extLst>
             <a:ext uri="{C572A759-6A51-4108-AA02-DFA0A04FC94B}">
-              <ma14:wrappingTextBoxFlag xmlns:ma14="http://schemas.microsoft.com/office/mac/drawingml/2011/main" xmlns="" val="1"/>
+              <ma14:wrappingTextBoxFlag xmlns="" xmlns:ma14="http://schemas.microsoft.com/office/mac/drawingml/2011/main" val="1"/>
             </a:ext>
           </a:extLst>
         </p:spPr>
@@ -22696,7 +22735,7 @@
           </a:prstGeom>
           <a:extLst>
             <a:ext uri="{C572A759-6A51-4108-AA02-DFA0A04FC94B}">
-              <ma14:wrappingTextBoxFlag xmlns:ma14="http://schemas.microsoft.com/office/mac/drawingml/2011/main" xmlns="" val="1"/>
+              <ma14:wrappingTextBoxFlag xmlns="" xmlns:ma14="http://schemas.microsoft.com/office/mac/drawingml/2011/main" val="1"/>
             </a:ext>
           </a:extLst>
         </p:spPr>
@@ -23120,7 +23159,7 @@
           </a:prstGeom>
           <a:extLst>
             <a:ext uri="{C572A759-6A51-4108-AA02-DFA0A04FC94B}">
-              <ma14:wrappingTextBoxFlag xmlns:ma14="http://schemas.microsoft.com/office/mac/drawingml/2011/main" xmlns="" val="1"/>
+              <ma14:wrappingTextBoxFlag xmlns="" xmlns:ma14="http://schemas.microsoft.com/office/mac/drawingml/2011/main" val="1"/>
             </a:ext>
           </a:extLst>
         </p:spPr>
@@ -23988,7 +24027,7 @@
           </a:prstGeom>
           <a:extLst>
             <a:ext uri="{C572A759-6A51-4108-AA02-DFA0A04FC94B}">
-              <ma14:wrappingTextBoxFlag xmlns:ma14="http://schemas.microsoft.com/office/mac/drawingml/2011/main" xmlns="" val="1"/>
+              <ma14:wrappingTextBoxFlag xmlns="" xmlns:ma14="http://schemas.microsoft.com/office/mac/drawingml/2011/main" val="1"/>
             </a:ext>
           </a:extLst>
         </p:spPr>
@@ -24435,7 +24474,7 @@
           </a:prstGeom>
           <a:extLst>
             <a:ext uri="{C572A759-6A51-4108-AA02-DFA0A04FC94B}">
-              <ma14:wrappingTextBoxFlag xmlns:ma14="http://schemas.microsoft.com/office/mac/drawingml/2011/main" xmlns="" val="1"/>
+              <ma14:wrappingTextBoxFlag xmlns="" xmlns:ma14="http://schemas.microsoft.com/office/mac/drawingml/2011/main" val="1"/>
             </a:ext>
           </a:extLst>
         </p:spPr>
@@ -25046,7 +25085,7 @@
           </a:prstGeom>
           <a:extLst>
             <a:ext uri="{C572A759-6A51-4108-AA02-DFA0A04FC94B}">
-              <ma14:wrappingTextBoxFlag xmlns:ma14="http://schemas.microsoft.com/office/mac/drawingml/2011/main" xmlns="" val="1"/>
+              <ma14:wrappingTextBoxFlag xmlns="" xmlns:ma14="http://schemas.microsoft.com/office/mac/drawingml/2011/main" val="1"/>
             </a:ext>
           </a:extLst>
         </p:spPr>
@@ -25396,7 +25435,7 @@
           </a:prstGeom>
           <a:extLst>
             <a:ext uri="{C572A759-6A51-4108-AA02-DFA0A04FC94B}">
-              <ma14:wrappingTextBoxFlag xmlns:ma14="http://schemas.microsoft.com/office/mac/drawingml/2011/main" xmlns="" val="1"/>
+              <ma14:wrappingTextBoxFlag xmlns="" xmlns:ma14="http://schemas.microsoft.com/office/mac/drawingml/2011/main" val="1"/>
             </a:ext>
           </a:extLst>
         </p:spPr>
@@ -25473,7 +25512,7 @@
           </a:prstGeom>
           <a:extLst>
             <a:ext uri="{C572A759-6A51-4108-AA02-DFA0A04FC94B}">
-              <ma14:wrappingTextBoxFlag xmlns:ma14="http://schemas.microsoft.com/office/mac/drawingml/2011/main" xmlns="" val="1"/>
+              <ma14:wrappingTextBoxFlag xmlns="" xmlns:ma14="http://schemas.microsoft.com/office/mac/drawingml/2011/main" val="1"/>
             </a:ext>
           </a:extLst>
         </p:spPr>
@@ -25991,7 +26030,7 @@
           </a:prstGeom>
           <a:extLst>
             <a:ext uri="{C572A759-6A51-4108-AA02-DFA0A04FC94B}">
-              <ma14:wrappingTextBoxFlag xmlns:ma14="http://schemas.microsoft.com/office/mac/drawingml/2011/main" xmlns="" val="1"/>
+              <ma14:wrappingTextBoxFlag xmlns="" xmlns:ma14="http://schemas.microsoft.com/office/mac/drawingml/2011/main" val="1"/>
             </a:ext>
           </a:extLst>
         </p:spPr>

--- a/Slides/Azure and Terraform Workshop - Chapter 1.pptx
+++ b/Slides/Azure and Terraform Workshop - Chapter 1.pptx
@@ -396,7 +396,7 @@
           <a:p>
             <a:fld id="{15E32702-A582-D646-948A-1015FA014A09}" type="datetimeFigureOut">
               <a:rPr lang="en-US" smtClean="0"/>
-              <a:t>9/9/2018</a:t>
+              <a:t>9/25/2018</a:t>
             </a:fld>
             <a:endParaRPr lang="en-US"/>
           </a:p>
@@ -5874,7 +5874,7 @@
           <a:p>
             <a:fld id="{EE2D613C-C0FF-5D4D-9461-34EBB5775A81}" type="datetimeFigureOut">
               <a:rPr lang="en-US" smtClean="0"/>
-              <a:t>9/9/2018</a:t>
+              <a:t>9/25/2018</a:t>
             </a:fld>
             <a:endParaRPr lang="en-US"/>
           </a:p>
@@ -6042,7 +6042,7 @@
           <a:p>
             <a:fld id="{EE2D613C-C0FF-5D4D-9461-34EBB5775A81}" type="datetimeFigureOut">
               <a:rPr lang="en-US" smtClean="0"/>
-              <a:t>9/9/2018</a:t>
+              <a:t>9/25/2018</a:t>
             </a:fld>
             <a:endParaRPr lang="en-US"/>
           </a:p>
@@ -6220,7 +6220,7 @@
           <a:p>
             <a:fld id="{EE2D613C-C0FF-5D4D-9461-34EBB5775A81}" type="datetimeFigureOut">
               <a:rPr lang="en-US" smtClean="0"/>
-              <a:t>9/9/2018</a:t>
+              <a:t>9/25/2018</a:t>
             </a:fld>
             <a:endParaRPr lang="en-US"/>
           </a:p>
@@ -7969,7 +7969,7 @@
           <a:p>
             <a:fld id="{EE2D613C-C0FF-5D4D-9461-34EBB5775A81}" type="datetimeFigureOut">
               <a:rPr lang="en-US" smtClean="0"/>
-              <a:t>9/9/2018</a:t>
+              <a:t>9/25/2018</a:t>
             </a:fld>
             <a:endParaRPr lang="en-US"/>
           </a:p>
@@ -10612,7 +10612,7 @@
           <a:p>
             <a:fld id="{EE2D613C-C0FF-5D4D-9461-34EBB5775A81}" type="datetimeFigureOut">
               <a:rPr lang="en-US" smtClean="0"/>
-              <a:t>9/9/2018</a:t>
+              <a:t>9/25/2018</a:t>
             </a:fld>
             <a:endParaRPr lang="en-US"/>
           </a:p>
@@ -10841,7 +10841,7 @@
           <a:p>
             <a:fld id="{EE2D613C-C0FF-5D4D-9461-34EBB5775A81}" type="datetimeFigureOut">
               <a:rPr lang="en-US" smtClean="0"/>
-              <a:t>9/9/2018</a:t>
+              <a:t>9/25/2018</a:t>
             </a:fld>
             <a:endParaRPr lang="en-US"/>
           </a:p>
@@ -11205,7 +11205,7 @@
           <a:p>
             <a:fld id="{EE2D613C-C0FF-5D4D-9461-34EBB5775A81}" type="datetimeFigureOut">
               <a:rPr lang="en-US" smtClean="0"/>
-              <a:t>9/9/2018</a:t>
+              <a:t>9/25/2018</a:t>
             </a:fld>
             <a:endParaRPr lang="en-US"/>
           </a:p>
@@ -11322,7 +11322,7 @@
           <a:p>
             <a:fld id="{EE2D613C-C0FF-5D4D-9461-34EBB5775A81}" type="datetimeFigureOut">
               <a:rPr lang="en-US" smtClean="0"/>
-              <a:t>9/9/2018</a:t>
+              <a:t>9/25/2018</a:t>
             </a:fld>
             <a:endParaRPr lang="en-US"/>
           </a:p>
@@ -11417,7 +11417,7 @@
           <a:p>
             <a:fld id="{EE2D613C-C0FF-5D4D-9461-34EBB5775A81}" type="datetimeFigureOut">
               <a:rPr lang="en-US" smtClean="0"/>
-              <a:t>9/9/2018</a:t>
+              <a:t>9/25/2018</a:t>
             </a:fld>
             <a:endParaRPr lang="en-US"/>
           </a:p>
@@ -11692,7 +11692,7 @@
           <a:p>
             <a:fld id="{EE2D613C-C0FF-5D4D-9461-34EBB5775A81}" type="datetimeFigureOut">
               <a:rPr lang="en-US" smtClean="0"/>
-              <a:t>9/9/2018</a:t>
+              <a:t>9/25/2018</a:t>
             </a:fld>
             <a:endParaRPr lang="en-US"/>
           </a:p>
@@ -11944,7 +11944,7 @@
           <a:p>
             <a:fld id="{EE2D613C-C0FF-5D4D-9461-34EBB5775A81}" type="datetimeFigureOut">
               <a:rPr lang="en-US" smtClean="0"/>
-              <a:t>9/9/2018</a:t>
+              <a:t>9/25/2018</a:t>
             </a:fld>
             <a:endParaRPr lang="en-US"/>
           </a:p>
@@ -12155,7 +12155,7 @@
           <a:p>
             <a:fld id="{EE2D613C-C0FF-5D4D-9461-34EBB5775A81}" type="datetimeFigureOut">
               <a:rPr lang="en-US" smtClean="0"/>
-              <a:t>9/9/2018</a:t>
+              <a:t>9/25/2018</a:t>
             </a:fld>
             <a:endParaRPr lang="en-US"/>
           </a:p>
@@ -21506,7 +21506,9 @@
             <a:r>
               <a:rPr lang="en-US" sz="2400" dirty="0">
                 <a:solidFill>
-                  <a:srgbClr val="A9A9A9"/>
+                  <a:schemeClr val="tx2">
+                    <a:lumMod val="10000"/>
+                  </a:schemeClr>
                 </a:solidFill>
                 <a:latin typeface="Consolas" panose="020B0609020204030204" pitchFamily="49" charset="0"/>
               </a:rPr>
@@ -21528,25 +21530,7 @@
                 </a:solidFill>
                 <a:latin typeface="Consolas" panose="020B0609020204030204" pitchFamily="49" charset="0"/>
               </a:rPr>
-              <a:t>"</a:t>
-            </a:r>
-            <a:r>
-              <a:rPr lang="en-US" sz="2400" dirty="0" err="1">
-                <a:solidFill>
-                  <a:srgbClr val="8B0000"/>
-                </a:solidFill>
-                <a:latin typeface="Consolas" panose="020B0609020204030204" pitchFamily="49" charset="0"/>
-              </a:rPr>
-              <a:t>myfirstresourcegroup</a:t>
-            </a:r>
-            <a:r>
-              <a:rPr lang="en-US" sz="2400" dirty="0">
-                <a:solidFill>
-                  <a:srgbClr val="8B0000"/>
-                </a:solidFill>
-                <a:latin typeface="Consolas" panose="020B0609020204030204" pitchFamily="49" charset="0"/>
-              </a:rPr>
-              <a:t>"</a:t>
+              <a:t>"myfirstresourcegroup00"</a:t>
             </a:r>
             <a:endParaRPr lang="en-US" sz="2400" dirty="0">
               <a:solidFill>
@@ -21578,7 +21562,7 @@
             <a:r>
               <a:rPr lang="en-US" sz="2400" dirty="0">
                 <a:solidFill>
-                  <a:srgbClr val="A9A9A9"/>
+                  <a:schemeClr val="bg2"/>
                 </a:solidFill>
                 <a:latin typeface="Consolas" panose="020B0609020204030204" pitchFamily="49" charset="0"/>
               </a:rPr>
@@ -24944,79 +24928,48 @@
             </a:pPr>
             <a:r>
               <a:rPr lang="en-CA" dirty="0"/>
-              <a:t>Navigate to </a:t>
+              <a:t>Navigate to:</a:t>
+            </a:r>
+          </a:p>
+          <a:p>
+            <a:r>
+              <a:rPr lang="en-CA" dirty="0"/>
+              <a:t>    </a:t>
+            </a:r>
+            <a:r>
+              <a:rPr lang="en-CA" sz="2200" dirty="0"/>
+              <a:t>https://www.terraform.io/docs/providers/azurerm/r/resource_group.html#tags </a:t>
+            </a:r>
+          </a:p>
+          <a:p>
+            <a:r>
+              <a:rPr lang="en-CA" dirty="0"/>
+              <a:t>2. Add a tag called "Environment" with the value of "Production"</a:t>
+            </a:r>
+          </a:p>
+          <a:p>
+            <a:r>
+              <a:rPr lang="en-CA" dirty="0"/>
+              <a:t>3. Ask for help! (neighbour, colleague, phone a friend, instructor)</a:t>
+            </a:r>
+          </a:p>
+          <a:p>
+            <a:r>
+              <a:rPr lang="en-CA" dirty="0"/>
+              <a:t>Hint: Search the internet </a:t>
+            </a:r>
+            <a:r>
+              <a:rPr lang="en-CA"/>
+              <a:t>for "azurerm</a:t>
             </a:r>
             <a:r>
               <a:rPr lang="en-CA" dirty="0" err="1"/>
-              <a:t>terraform.io</a:t>
+              <a:t>_resource_group</a:t>
             </a:r>
             <a:r>
               <a:rPr lang="en-CA" dirty="0"/>
-              <a:t>/docs/providers/</a:t>
-            </a:r>
-            <a:r>
-              <a:rPr lang="en-CA" dirty="0" err="1"/>
-              <a:t>azurerm</a:t>
-            </a:r>
-            <a:r>
-              <a:rPr lang="en-CA" dirty="0"/>
-              <a:t>/</a:t>
-            </a:r>
-            <a:r>
-              <a:rPr lang="en-CA" dirty="0" err="1"/>
-              <a:t>index.html</a:t>
-            </a:r>
-            <a:endParaRPr lang="en-CA" dirty="0"/>
-          </a:p>
-          <a:p>
-            <a:pPr marL="514350" indent="-514350">
-              <a:buFont typeface="+mj-lt"/>
-              <a:buAutoNum type="arabicPeriod"/>
-            </a:pPr>
-            <a:r>
-              <a:rPr lang="en-CA" dirty="0"/>
-              <a:t>Find the </a:t>
-            </a:r>
-            <a:r>
-              <a:rPr lang="en-CA" dirty="0" err="1"/>
-              <a:t>azurerm_resource_group</a:t>
-            </a:r>
-            <a:endParaRPr lang="en-CA" dirty="0"/>
-          </a:p>
-          <a:p>
-            <a:pPr marL="514350" indent="-514350">
-              <a:buFont typeface="+mj-lt"/>
-              <a:buAutoNum type="arabicPeriod"/>
-            </a:pPr>
-            <a:r>
-              <a:rPr lang="en-CA" dirty="0"/>
-              <a:t>Add a tag called "Environment with the </a:t>
-            </a:r>
-            <a:r>
-              <a:rPr lang="en-CA"/>
-              <a:t>value of "</a:t>
-            </a:r>
-            <a:r>
-              <a:rPr lang="en-CA" dirty="0"/>
-              <a:t>Production"</a:t>
-            </a:r>
-          </a:p>
-          <a:p>
-            <a:pPr marL="514350" indent="-514350">
-              <a:buFont typeface="+mj-lt"/>
-              <a:buAutoNum type="arabicPeriod"/>
-            </a:pPr>
-            <a:r>
-              <a:rPr lang="en-CA" dirty="0"/>
-              <a:t>Ask for help! (neighbour, colleague, phone a friend, instructor)</a:t>
-            </a:r>
-          </a:p>
-          <a:p>
-            <a:pPr marL="514350" indent="-514350">
-              <a:buFont typeface="+mj-lt"/>
-              <a:buAutoNum type="arabicPeriod"/>
-            </a:pPr>
-            <a:endParaRPr lang="en-CA" dirty="0"/>
+              <a:t> tags"</a:t>
+            </a:r>
           </a:p>
           <a:p>
             <a:pPr marL="514350" indent="-514350">
@@ -25930,15 +25883,7 @@
           <a:p>
             <a:r>
               <a:rPr lang="en-CA" dirty="0"/>
-              <a:t>What is </a:t>
-            </a:r>
-            <a:r>
-              <a:rPr lang="en-CA" dirty="0" err="1"/>
-              <a:t>Infranstructure</a:t>
-            </a:r>
-            <a:r>
-              <a:rPr lang="en-CA" dirty="0"/>
-              <a:t> as Code</a:t>
+              <a:t>What is Infrastructure as Code</a:t>
             </a:r>
             <a:endParaRPr dirty="0"/>
           </a:p>
@@ -26687,32 +26632,12 @@
             </a:pPr>
             <a:r>
               <a:rPr lang="en-CA" dirty="0"/>
-              <a:t>What are the two Terraform commands and how do they differ?</a:t>
-            </a:r>
-          </a:p>
-          <a:p>
-            <a:pPr marL="289560" indent="-289560" defTabSz="235267">
-              <a:spcBef>
-                <a:spcPts val="1100"/>
-              </a:spcBef>
-              <a:buSzPct val="100000"/>
-              <a:buAutoNum type="arabicPeriod"/>
-              <a:defRPr sz="3420"/>
-            </a:pPr>
-            <a:r>
-              <a:rPr lang="en-CA" dirty="0"/>
-              <a:t>What command allows you to format Terraform Code?</a:t>
-            </a:r>
-          </a:p>
-          <a:p>
-            <a:pPr marL="289560" indent="-289560" defTabSz="235267">
-              <a:spcBef>
-                <a:spcPts val="1100"/>
-              </a:spcBef>
-              <a:buSzPct val="100000"/>
-              <a:buAutoNum type="arabicPeriod"/>
-              <a:defRPr sz="3420"/>
-            </a:pPr>
+              <a:t>What are the two Terraform commands and how do they </a:t>
+            </a:r>
+            <a:r>
+              <a:rPr lang="en-CA"/>
+              <a:t>differ?</a:t>
+            </a:r>
             <a:endParaRPr lang="en-CA" dirty="0"/>
           </a:p>
           <a:p>
